--- a/figs/bg_better_map_with_legend.pptx
+++ b/figs/bg_better_map_with_legend.pptx
@@ -104,6 +104,11 @@
       </a:defRPr>
     </a:lvl9pPr>
   </p:defaultTextStyle>
+  <p:extLst>
+    <p:ext uri="{EFAFB233-063F-42B5-8137-9DF3F51BA10A}">
+      <p15:sldGuideLst xmlns:p15="http://schemas.microsoft.com/office/powerpoint/2012/main"/>
+    </p:ext>
+  </p:extLst>
 </p:presentation>
 </file>
 
@@ -238,7 +243,7 @@
           <a:p>
             <a:fld id="{52C970AF-6EB8-4B4E-8B58-B0EA95C25003}" type="datetimeFigureOut">
               <a:rPr lang="en-US" smtClean="0"/>
-              <a:t>1/18/22</a:t>
+              <a:t>2/10/22</a:t>
             </a:fld>
             <a:endParaRPr lang="en-US"/>
           </a:p>
@@ -408,7 +413,7 @@
           <a:p>
             <a:fld id="{52C970AF-6EB8-4B4E-8B58-B0EA95C25003}" type="datetimeFigureOut">
               <a:rPr lang="en-US" smtClean="0"/>
-              <a:t>1/18/22</a:t>
+              <a:t>2/10/22</a:t>
             </a:fld>
             <a:endParaRPr lang="en-US"/>
           </a:p>
@@ -588,7 +593,7 @@
           <a:p>
             <a:fld id="{52C970AF-6EB8-4B4E-8B58-B0EA95C25003}" type="datetimeFigureOut">
               <a:rPr lang="en-US" smtClean="0"/>
-              <a:t>1/18/22</a:t>
+              <a:t>2/10/22</a:t>
             </a:fld>
             <a:endParaRPr lang="en-US"/>
           </a:p>
@@ -758,7 +763,7 @@
           <a:p>
             <a:fld id="{52C970AF-6EB8-4B4E-8B58-B0EA95C25003}" type="datetimeFigureOut">
               <a:rPr lang="en-US" smtClean="0"/>
-              <a:t>1/18/22</a:t>
+              <a:t>2/10/22</a:t>
             </a:fld>
             <a:endParaRPr lang="en-US"/>
           </a:p>
@@ -1002,7 +1007,7 @@
           <a:p>
             <a:fld id="{52C970AF-6EB8-4B4E-8B58-B0EA95C25003}" type="datetimeFigureOut">
               <a:rPr lang="en-US" smtClean="0"/>
-              <a:t>1/18/22</a:t>
+              <a:t>2/10/22</a:t>
             </a:fld>
             <a:endParaRPr lang="en-US"/>
           </a:p>
@@ -1234,7 +1239,7 @@
           <a:p>
             <a:fld id="{52C970AF-6EB8-4B4E-8B58-B0EA95C25003}" type="datetimeFigureOut">
               <a:rPr lang="en-US" smtClean="0"/>
-              <a:t>1/18/22</a:t>
+              <a:t>2/10/22</a:t>
             </a:fld>
             <a:endParaRPr lang="en-US"/>
           </a:p>
@@ -1601,7 +1606,7 @@
           <a:p>
             <a:fld id="{52C970AF-6EB8-4B4E-8B58-B0EA95C25003}" type="datetimeFigureOut">
               <a:rPr lang="en-US" smtClean="0"/>
-              <a:t>1/18/22</a:t>
+              <a:t>2/10/22</a:t>
             </a:fld>
             <a:endParaRPr lang="en-US"/>
           </a:p>
@@ -1719,7 +1724,7 @@
           <a:p>
             <a:fld id="{52C970AF-6EB8-4B4E-8B58-B0EA95C25003}" type="datetimeFigureOut">
               <a:rPr lang="en-US" smtClean="0"/>
-              <a:t>1/18/22</a:t>
+              <a:t>2/10/22</a:t>
             </a:fld>
             <a:endParaRPr lang="en-US"/>
           </a:p>
@@ -1814,7 +1819,7 @@
           <a:p>
             <a:fld id="{52C970AF-6EB8-4B4E-8B58-B0EA95C25003}" type="datetimeFigureOut">
               <a:rPr lang="en-US" smtClean="0"/>
-              <a:t>1/18/22</a:t>
+              <a:t>2/10/22</a:t>
             </a:fld>
             <a:endParaRPr lang="en-US"/>
           </a:p>
@@ -2091,7 +2096,7 @@
           <a:p>
             <a:fld id="{52C970AF-6EB8-4B4E-8B58-B0EA95C25003}" type="datetimeFigureOut">
               <a:rPr lang="en-US" smtClean="0"/>
-              <a:t>1/18/22</a:t>
+              <a:t>2/10/22</a:t>
             </a:fld>
             <a:endParaRPr lang="en-US"/>
           </a:p>
@@ -2348,7 +2353,7 @@
           <a:p>
             <a:fld id="{52C970AF-6EB8-4B4E-8B58-B0EA95C25003}" type="datetimeFigureOut">
               <a:rPr lang="en-US" smtClean="0"/>
-              <a:t>1/18/22</a:t>
+              <a:t>2/10/22</a:t>
             </a:fld>
             <a:endParaRPr lang="en-US"/>
           </a:p>
@@ -2561,7 +2566,7 @@
           <a:p>
             <a:fld id="{52C970AF-6EB8-4B4E-8B58-B0EA95C25003}" type="datetimeFigureOut">
               <a:rPr lang="en-US" smtClean="0"/>
-              <a:t>1/18/22</a:t>
+              <a:t>2/10/22</a:t>
             </a:fld>
             <a:endParaRPr lang="en-US"/>
           </a:p>
@@ -3072,21 +3077,7 @@
                 <a:latin typeface="Arial" panose="020B0604020202020204" pitchFamily="34" charset="0"/>
                 <a:cs typeface="Arial" panose="020B0604020202020204" pitchFamily="34" charset="0"/>
               </a:rPr>
-              <a:t>color (</a:t>
-            </a:r>
-            <a:r>
-              <a:rPr lang="en-US" sz="800" dirty="0" err="1">
-                <a:latin typeface="Arial" panose="020B0604020202020204" pitchFamily="34" charset="0"/>
-                <a:cs typeface="Arial" panose="020B0604020202020204" pitchFamily="34" charset="0"/>
-              </a:rPr>
-              <a:t>dwl</a:t>
-            </a:r>
-            <a:r>
-              <a:rPr lang="en-US" sz="800" dirty="0">
-                <a:latin typeface="Arial" panose="020B0604020202020204" pitchFamily="34" charset="0"/>
-                <a:cs typeface="Arial" panose="020B0604020202020204" pitchFamily="34" charset="0"/>
-              </a:rPr>
-              <a:t>)</a:t>
+              <a:t>color (dwl)</a:t>
             </a:r>
           </a:p>
         </p:txBody>

--- a/figs/bg_better_map_with_legend.pptx
+++ b/figs/bg_better_map_with_legend.pptx
@@ -243,7 +243,7 @@
           <a:p>
             <a:fld id="{52C970AF-6EB8-4B4E-8B58-B0EA95C25003}" type="datetimeFigureOut">
               <a:rPr lang="en-US" smtClean="0"/>
-              <a:t>2/10/22</a:t>
+              <a:t>4/4/22</a:t>
             </a:fld>
             <a:endParaRPr lang="en-US"/>
           </a:p>
@@ -413,7 +413,7 @@
           <a:p>
             <a:fld id="{52C970AF-6EB8-4B4E-8B58-B0EA95C25003}" type="datetimeFigureOut">
               <a:rPr lang="en-US" smtClean="0"/>
-              <a:t>2/10/22</a:t>
+              <a:t>4/4/22</a:t>
             </a:fld>
             <a:endParaRPr lang="en-US"/>
           </a:p>
@@ -593,7 +593,7 @@
           <a:p>
             <a:fld id="{52C970AF-6EB8-4B4E-8B58-B0EA95C25003}" type="datetimeFigureOut">
               <a:rPr lang="en-US" smtClean="0"/>
-              <a:t>2/10/22</a:t>
+              <a:t>4/4/22</a:t>
             </a:fld>
             <a:endParaRPr lang="en-US"/>
           </a:p>
@@ -763,7 +763,7 @@
           <a:p>
             <a:fld id="{52C970AF-6EB8-4B4E-8B58-B0EA95C25003}" type="datetimeFigureOut">
               <a:rPr lang="en-US" smtClean="0"/>
-              <a:t>2/10/22</a:t>
+              <a:t>4/4/22</a:t>
             </a:fld>
             <a:endParaRPr lang="en-US"/>
           </a:p>
@@ -1007,7 +1007,7 @@
           <a:p>
             <a:fld id="{52C970AF-6EB8-4B4E-8B58-B0EA95C25003}" type="datetimeFigureOut">
               <a:rPr lang="en-US" smtClean="0"/>
-              <a:t>2/10/22</a:t>
+              <a:t>4/4/22</a:t>
             </a:fld>
             <a:endParaRPr lang="en-US"/>
           </a:p>
@@ -1239,7 +1239,7 @@
           <a:p>
             <a:fld id="{52C970AF-6EB8-4B4E-8B58-B0EA95C25003}" type="datetimeFigureOut">
               <a:rPr lang="en-US" smtClean="0"/>
-              <a:t>2/10/22</a:t>
+              <a:t>4/4/22</a:t>
             </a:fld>
             <a:endParaRPr lang="en-US"/>
           </a:p>
@@ -1606,7 +1606,7 @@
           <a:p>
             <a:fld id="{52C970AF-6EB8-4B4E-8B58-B0EA95C25003}" type="datetimeFigureOut">
               <a:rPr lang="en-US" smtClean="0"/>
-              <a:t>2/10/22</a:t>
+              <a:t>4/4/22</a:t>
             </a:fld>
             <a:endParaRPr lang="en-US"/>
           </a:p>
@@ -1724,7 +1724,7 @@
           <a:p>
             <a:fld id="{52C970AF-6EB8-4B4E-8B58-B0EA95C25003}" type="datetimeFigureOut">
               <a:rPr lang="en-US" smtClean="0"/>
-              <a:t>2/10/22</a:t>
+              <a:t>4/4/22</a:t>
             </a:fld>
             <a:endParaRPr lang="en-US"/>
           </a:p>
@@ -1819,7 +1819,7 @@
           <a:p>
             <a:fld id="{52C970AF-6EB8-4B4E-8B58-B0EA95C25003}" type="datetimeFigureOut">
               <a:rPr lang="en-US" smtClean="0"/>
-              <a:t>2/10/22</a:t>
+              <a:t>4/4/22</a:t>
             </a:fld>
             <a:endParaRPr lang="en-US"/>
           </a:p>
@@ -2096,7 +2096,7 @@
           <a:p>
             <a:fld id="{52C970AF-6EB8-4B4E-8B58-B0EA95C25003}" type="datetimeFigureOut">
               <a:rPr lang="en-US" smtClean="0"/>
-              <a:t>2/10/22</a:t>
+              <a:t>4/4/22</a:t>
             </a:fld>
             <a:endParaRPr lang="en-US"/>
           </a:p>
@@ -2353,7 +2353,7 @@
           <a:p>
             <a:fld id="{52C970AF-6EB8-4B4E-8B58-B0EA95C25003}" type="datetimeFigureOut">
               <a:rPr lang="en-US" smtClean="0"/>
-              <a:t>2/10/22</a:t>
+              <a:t>4/4/22</a:t>
             </a:fld>
             <a:endParaRPr lang="en-US"/>
           </a:p>
@@ -2566,7 +2566,7 @@
           <a:p>
             <a:fld id="{52C970AF-6EB8-4B4E-8B58-B0EA95C25003}" type="datetimeFigureOut">
               <a:rPr lang="en-US" smtClean="0"/>
-              <a:t>2/10/22</a:t>
+              <a:t>4/4/22</a:t>
             </a:fld>
             <a:endParaRPr lang="en-US"/>
           </a:p>
@@ -2973,10 +2973,10 @@
       </p:grpSpPr>
       <p:pic>
         <p:nvPicPr>
-          <p:cNvPr id="5" name="Picture 4">
+          <p:cNvPr id="2" name="Picture 1">
             <a:extLst>
               <a:ext uri="{FF2B5EF4-FFF2-40B4-BE49-F238E27FC236}">
-                <a16:creationId xmlns:a16="http://schemas.microsoft.com/office/drawing/2014/main" id="{204579C3-5AFC-D640-A73C-8932FFC62177}"/>
+                <a16:creationId xmlns:a16="http://schemas.microsoft.com/office/drawing/2014/main" id="{8FFCFD6E-F0CF-454D-B262-74E6D87DF047}"/>
               </a:ext>
             </a:extLst>
           </p:cNvPr>
